--- a/Y_Wang_final project presentation.pptx
+++ b/Y_Wang_final project presentation.pptx
@@ -6,7 +6,7 @@
     <p:sldMasterId id="2147483660" r:id="rId2"/>
   </p:sldMasterIdLst>
   <p:notesMasterIdLst>
-    <p:notesMasterId r:id="rId41"/>
+    <p:notesMasterId r:id="rId38"/>
   </p:notesMasterIdLst>
   <p:sldIdLst>
     <p:sldId id="256" r:id="rId3"/>
@@ -18,35 +18,32 @@
     <p:sldId id="292" r:id="rId9"/>
     <p:sldId id="265" r:id="rId10"/>
     <p:sldId id="266" r:id="rId11"/>
-    <p:sldId id="267" r:id="rId12"/>
-    <p:sldId id="268" r:id="rId13"/>
-    <p:sldId id="269" r:id="rId14"/>
-    <p:sldId id="270" r:id="rId15"/>
-    <p:sldId id="271" r:id="rId16"/>
-    <p:sldId id="272" r:id="rId17"/>
-    <p:sldId id="273" r:id="rId18"/>
-    <p:sldId id="274" r:id="rId19"/>
-    <p:sldId id="275" r:id="rId20"/>
-    <p:sldId id="276" r:id="rId21"/>
-    <p:sldId id="277" r:id="rId22"/>
-    <p:sldId id="278" r:id="rId23"/>
-    <p:sldId id="279" r:id="rId24"/>
-    <p:sldId id="280" r:id="rId25"/>
-    <p:sldId id="257" r:id="rId26"/>
-    <p:sldId id="281" r:id="rId27"/>
-    <p:sldId id="259" r:id="rId28"/>
-    <p:sldId id="282" r:id="rId29"/>
-    <p:sldId id="261" r:id="rId30"/>
-    <p:sldId id="289" r:id="rId31"/>
-    <p:sldId id="283" r:id="rId32"/>
-    <p:sldId id="284" r:id="rId33"/>
-    <p:sldId id="285" r:id="rId34"/>
-    <p:sldId id="286" r:id="rId35"/>
-    <p:sldId id="287" r:id="rId36"/>
-    <p:sldId id="288" r:id="rId37"/>
-    <p:sldId id="293" r:id="rId38"/>
-    <p:sldId id="290" r:id="rId39"/>
-    <p:sldId id="291" r:id="rId40"/>
+    <p:sldId id="268" r:id="rId12"/>
+    <p:sldId id="269" r:id="rId13"/>
+    <p:sldId id="270" r:id="rId14"/>
+    <p:sldId id="271" r:id="rId15"/>
+    <p:sldId id="274" r:id="rId16"/>
+    <p:sldId id="275" r:id="rId17"/>
+    <p:sldId id="276" r:id="rId18"/>
+    <p:sldId id="277" r:id="rId19"/>
+    <p:sldId id="278" r:id="rId20"/>
+    <p:sldId id="279" r:id="rId21"/>
+    <p:sldId id="280" r:id="rId22"/>
+    <p:sldId id="257" r:id="rId23"/>
+    <p:sldId id="281" r:id="rId24"/>
+    <p:sldId id="259" r:id="rId25"/>
+    <p:sldId id="282" r:id="rId26"/>
+    <p:sldId id="261" r:id="rId27"/>
+    <p:sldId id="289" r:id="rId28"/>
+    <p:sldId id="283" r:id="rId29"/>
+    <p:sldId id="284" r:id="rId30"/>
+    <p:sldId id="285" r:id="rId31"/>
+    <p:sldId id="286" r:id="rId32"/>
+    <p:sldId id="287" r:id="rId33"/>
+    <p:sldId id="288" r:id="rId34"/>
+    <p:sldId id="293" r:id="rId35"/>
+    <p:sldId id="290" r:id="rId36"/>
+    <p:sldId id="291" r:id="rId37"/>
   </p:sldIdLst>
   <p:sldSz cx="9144000" cy="6858000" type="screen4x3"/>
   <p:notesSz cx="6858000" cy="9144000"/>
@@ -5566,7 +5563,7 @@
           <a:pPr algn="l"/>
           <a:r>
             <a:rPr lang="en-US" sz="1000" b="0" i="0" dirty="0"/>
-            <a:t>There are 5 independent variables, they are:</a:t>
+            <a:t>There are 4 independent variables, they are:</a:t>
           </a:r>
         </a:p>
         <a:p>
@@ -5628,22 +5625,6 @@
             <a:rPr lang="en-US" sz="1000" b="0" i="0" dirty="0"/>
             <a:t>: the average annual total cost of attendance (including tuition and fees, books and supplies, and living expenses), numerical variable.</a:t>
           </a:r>
-        </a:p>
-        <a:p>
-          <a:pPr algn="l"/>
-          <a:r>
-            <a:rPr lang="en-US" sz="1000" b="1" i="0" dirty="0" err="1">
-              <a:solidFill>
-                <a:schemeClr val="tx1"/>
-              </a:solidFill>
-            </a:rPr>
-            <a:t>PublicPrivate</a:t>
-          </a:r>
-          <a:r>
-            <a:rPr lang="en-US" sz="1000" b="0" i="0" dirty="0"/>
-            <a:t>: it indicates the type of university, public or private, categorical variable.</a:t>
-          </a:r>
-          <a:endParaRPr lang="en-US" sz="1000" dirty="0"/>
         </a:p>
       </dgm:t>
     </dgm:pt>
@@ -11003,7 +10984,7 @@
           </a:pPr>
           <a:r>
             <a:rPr lang="en-US" sz="1000" b="0" i="0" kern="1200" dirty="0"/>
-            <a:t>There are 5 independent variables, they are:</a:t>
+            <a:t>There are 4 independent variables, they are:</a:t>
           </a:r>
         </a:p>
         <a:p>
@@ -11109,33 +11090,6 @@
             <a:rPr lang="en-US" sz="1000" b="0" i="0" kern="1200" dirty="0"/>
             <a:t>: the average annual total cost of attendance (including tuition and fees, books and supplies, and living expenses), numerical variable.</a:t>
           </a:r>
-        </a:p>
-        <a:p>
-          <a:pPr marL="0" lvl="0" indent="0" algn="l" defTabSz="444500">
-            <a:lnSpc>
-              <a:spcPct val="90000"/>
-            </a:lnSpc>
-            <a:spcBef>
-              <a:spcPct val="0"/>
-            </a:spcBef>
-            <a:spcAft>
-              <a:spcPct val="35000"/>
-            </a:spcAft>
-            <a:buNone/>
-          </a:pPr>
-          <a:r>
-            <a:rPr lang="en-US" sz="1000" b="1" i="0" kern="1200" dirty="0" err="1">
-              <a:solidFill>
-                <a:schemeClr val="tx1"/>
-              </a:solidFill>
-            </a:rPr>
-            <a:t>PublicPrivate</a:t>
-          </a:r>
-          <a:r>
-            <a:rPr lang="en-US" sz="1000" b="0" i="0" kern="1200" dirty="0"/>
-            <a:t>: it indicates the type of university, public or private, categorical variable.</a:t>
-          </a:r>
-          <a:endParaRPr lang="en-US" sz="1000" kern="1200" dirty="0"/>
         </a:p>
       </dsp:txBody>
       <dsp:txXfrm>
@@ -15207,33 +15161,6 @@
           <inkml:channelProperty channel="F" name="resolution" value="0" units="1/dev"/>
         </inkml:channelProperties>
       </inkml:inkSource>
-      <inkml:timestamp xml:id="ts0" timeString="2019-05-08T14:59:08.743"/>
-    </inkml:context>
-    <inkml:brush xml:id="br0">
-      <inkml:brushProperty name="width" value="0.05" units="cm"/>
-      <inkml:brushProperty name="height" value="0.05" units="cm"/>
-    </inkml:brush>
-  </inkml:definitions>
-  <inkml:trace contextRef="#ctx0" brushRef="#br0">285 0 24575,'0'10'0,"0"0"0,0 0 0,0 0 0,0 0 0,0 1 0,0 5 0,0 1 0,-5 1 0,4 4 0,-9-5 0,4 1 0,-1 4 0,3-10 0,-1 4 0,4-6 0,-4 1 0,5 0 0,-4-1 0,2 0 0,-7 0 0,8 7 0,-9 0 0,4 1 0,0-2 0,-4-6 0,9 1 0,-4-1 0,5 1 0,0-1 0,-4-4 0,3 3 0,-3-4 0,-1 6 0,-2 5 0,-4 1 0,-1 13 0,0-5 0,-7 12 0,6-12 0,-5 5 0,12-7 0,-4-5 0,8-2 0,-7-6 0,8 1 0,-4-1 0,5 0 0,0 0 0,0 0 0,-5 1 0,4-1 0,-4 6 0,-1 9 0,5 0 0,-10 5 0,10-13 0,-10 5 0,10-10 0,-4 4 0,5-5 0,0-1 0,0 1 0,0-1 0,0 0 0,0 0 0,0 1 0,0-1 0,0 7 0,0-5 0,0 9 0,0-3 0,0 0 0,0-2 0,0-6 0,0 1 0,0 0 0,0-1 0,0 0 0,0 1 0,4 0 0,-3-1 0,4 1 0,-5 5 0,5-4 0,-4 4 0,4-6 0,-5 1 0,4-1 0,-2 6 0,7-5 0,-8 5 0,8-6 0,-7 6 0,7-4 0,-8 4 0,4 1 0,-1-5 0,-2 4 0,7-6 0,-3 1 0,0-1 0,3 1 0,-3-1 0,4 1 0,1-1 0,-1 1 0,1-1 0,-5 1 0,3-1 0,-3 1 0,4-1 0,1-4 0,-1 4 0,1-9 0,0 8 0,-1-8 0,1 9 0,-1-9 0,0 3 0,1 1 0,-1-4 0,1 4 0,-1-5 0,6 0 0,-4 0 0,10 0 0,-10 0 0,10 0 0,-4 0 0,5 0 0,-5 0 0,4 5 0,-5-4 0,1 5 0,-2-6 0,-5 0 0,-1 0 0,1 0 0,-1 0 0,1 0 0,-1 0 0,1 0 0,5 0 0,-4 4 0,4-2 0,-5 2 0,-1-4 0,6 0 0,-4 0 0,5 0 0,-7 0 0,1 0 0,-1 0 0,1 0 0,-1 0 0,1 0 0,-1 0 0,1 0 0,-1 5 0,1-4 0,-1 4 0,6-5 0,-5 0 0,4 0 0,-4 0 0,-1 0 0,0 0 0,0 0 0,0 0 0,0 0 0,1 0 0,-1 0 0,1 0 0,-1-5 0,1-1 0,5-5 0,-4 0 0,10-1 0,-10 1 0,4 5 0,-6-3 0,1 7 0,-1-7 0,1 8 0,-5-8 0,-2 3 0,-4-4 0,0 1 0,6-7 0,0-2 0,1 0 0,3-4 0,-3 5 0,-1-7 0,4 6 0,-9 2 0,4 5 0,-1 1 0,-3-1 0,4 1 0,-5-6 0,0 5 0,5-10 0,-3 3 0,3 0 0,-1 2 0,-2 5 0,7 1 0,-8-1 0,4 1 0,-5-1 0,0-4 0,5-2 0,-4-12 0,11-11 0,-11-8 0,11 0 0,-5 2 0,0 14 0,5-12 0,-11 17 0,6-6 0,-3 17 0,-2 6 0,2-1 0,-4 1 0,0 0 0,0-5 0,0 4 0,0-10 0,0 3 0,0-5 0,0 5 0,0-4 0,0 10 0,0-5 0,0 7 0,0-1 0,0 1 0,0 0 0,0-1 0,0 0 0,0-5 0,-5 4 0,4-10 0,-8 10 0,8-10 0,-9 10 0,9-5 0,-4 7 0,0 4 0,4-4 0,-8 9 0,4-4 0,-5 1 0,0 2 0,0-2 0,-1 4 0,1-4 0,0 2 0,0-7 0,-7 3 0,5-5 0,-4 0 0,-1 0 0,5 0 0,-4 0 0,0 0 0,3 0 0,-3 0 0,5 0 0,1 0 0,-1 1 0,0 4 0,1-4 0,-1 9 0,5-9 0,-3 9 0,3-8 0,-5 3 0,-5 0 0,8-4 0,-7 9 0,9-8 0,-5 8 0,1-4 0,4 0 0,-3 4 0,4-4 0,-6 5 0,1-5 0,-1 4 0,0-3 0,1-1 0,-1 4 0,0-4 0,1 5 0,0 0 0,-1-5 0,1 4 0,0-3 0,-1 4 0,5-5 0,-3 4 0,3-4 0,-5 5 0,1 0 0,0 0 0,0 0 0,-1 0 0,1 0 0,-1 0 0,1 0 0,4-5 0,-4 4 0,4-4 0,-4 5 0,0 0 0,-1 0 0,1 0 0,-1 0 0,0 0 0,1 0 0,0 0 0,0 0 0,0 0 0,0 0 0,-1 0 0,-3 0 0,3 0 0,-3 0 0,3 0 0,1 0 0,-1 0 0,0 0 0,-3-4 0,2 3 0,-2-8 0,3 8 0,5-4 0,2 5 0</inkml:trace>
-</inkml:ink>
-</file>
-
-<file path=ppt/ink/ink2.xml><?xml version="1.0" encoding="utf-8"?>
-<inkml:ink xmlns:inkml="http://www.w3.org/2003/InkML">
-  <inkml:definitions>
-    <inkml:context xml:id="ctx0">
-      <inkml:inkSource xml:id="inkSrc0">
-        <inkml:traceFormat>
-          <inkml:channel name="X" type="integer" min="-2.14748E9" max="2.14748E9" units="cm"/>
-          <inkml:channel name="Y" type="integer" min="-2.14748E9" max="2.14748E9" units="cm"/>
-          <inkml:channel name="F" type="integer" max="32767" units="dev"/>
-        </inkml:traceFormat>
-        <inkml:channelProperties>
-          <inkml:channelProperty channel="X" name="resolution" value="1000" units="1/cm"/>
-          <inkml:channelProperty channel="Y" name="resolution" value="1000" units="1/cm"/>
-          <inkml:channelProperty channel="F" name="resolution" value="0" units="1/dev"/>
-        </inkml:channelProperties>
-      </inkml:inkSource>
       <inkml:timestamp xml:id="ts0" timeString="2019-05-08T14:57:44.147"/>
     </inkml:context>
     <inkml:brush xml:id="br0">
@@ -15246,7 +15173,7 @@
 </inkml:ink>
 </file>
 
-<file path=ppt/ink/ink3.xml><?xml version="1.0" encoding="utf-8"?>
+<file path=ppt/ink/ink2.xml><?xml version="1.0" encoding="utf-8"?>
 <inkml:ink xmlns:inkml="http://www.w3.org/2003/InkML">
   <inkml:definitions>
     <inkml:context xml:id="ctx0">
@@ -15274,7 +15201,7 @@
 </inkml:ink>
 </file>
 
-<file path=ppt/ink/ink4.xml><?xml version="1.0" encoding="utf-8"?>
+<file path=ppt/ink/ink3.xml><?xml version="1.0" encoding="utf-8"?>
 <inkml:ink xmlns:inkml="http://www.w3.org/2003/InkML">
   <inkml:definitions>
     <inkml:context xml:id="ctx0">
@@ -15302,7 +15229,7 @@
 </inkml:ink>
 </file>
 
-<file path=ppt/ink/ink5.xml><?xml version="1.0" encoding="utf-8"?>
+<file path=ppt/ink/ink4.xml><?xml version="1.0" encoding="utf-8"?>
 <inkml:ink xmlns:inkml="http://www.w3.org/2003/InkML">
   <inkml:definitions>
     <inkml:context xml:id="ctx0">
@@ -15828,7 +15755,7 @@
           <a:p>
             <a:fld id="{E940ECDD-65A7-4F3C-B260-58C14C953C3B}" type="slidenum">
               <a:rPr lang="en-US" smtClean="0"/>
-              <a:t>22</a:t>
+              <a:t>19</a:t>
             </a:fld>
             <a:endParaRPr lang="en-US"/>
           </a:p>
@@ -15979,7 +15906,7 @@
                 <a:tabLst/>
                 <a:defRPr/>
               </a:pPr>
-              <a:t>24</a:t>
+              <a:t>21</a:t>
             </a:fld>
             <a:endParaRPr kumimoji="0" lang="en-US" sz="1200" b="0" i="0" u="none" strike="noStrike" kern="1200" cap="none" spc="0" normalizeH="0" baseline="0" noProof="0">
               <a:ln>
@@ -16123,7 +16050,7 @@
                 <a:tabLst/>
                 <a:defRPr/>
               </a:pPr>
-              <a:t>25</a:t>
+              <a:t>22</a:t>
             </a:fld>
             <a:endParaRPr kumimoji="0" lang="en-US" sz="1200" b="0" i="0" u="none" strike="noStrike" kern="1200" cap="none" spc="0" normalizeH="0" baseline="0" noProof="0">
               <a:ln>
@@ -16296,7 +16223,7 @@
                 <a:tabLst/>
                 <a:defRPr/>
               </a:pPr>
-              <a:t>26</a:t>
+              <a:t>23</a:t>
             </a:fld>
             <a:endParaRPr kumimoji="0" lang="en-US" sz="1200" b="0" i="0" u="none" strike="noStrike" kern="1200" cap="none" spc="0" normalizeH="0" baseline="0" noProof="0">
               <a:ln>
@@ -22590,117 +22517,6 @@
       </p:grpSpPr>
       <p:pic>
         <p:nvPicPr>
-          <p:cNvPr id="2" name="Picture 1"/>
-          <p:cNvPicPr>
-            <a:picLocks noChangeAspect="1"/>
-          </p:cNvPicPr>
-          <p:nvPr/>
-        </p:nvPicPr>
-        <p:blipFill>
-          <a:blip r:embed="rId2">
-            <a:extLst>
-              <a:ext uri="{28A0092B-C50C-407E-A947-70E740481C1C}">
-                <a14:useLocalDpi xmlns:a14="http://schemas.microsoft.com/office/drawing/2010/main" val="0"/>
-              </a:ext>
-            </a:extLst>
-          </a:blip>
-          <a:stretch>
-            <a:fillRect/>
-          </a:stretch>
-        </p:blipFill>
-        <p:spPr>
-          <a:xfrm>
-            <a:off x="914400" y="92079"/>
-            <a:ext cx="6998514" cy="6384921"/>
-          </a:xfrm>
-          <a:prstGeom prst="rect">
-            <a:avLst/>
-          </a:prstGeom>
-        </p:spPr>
-      </p:pic>
-      <mc:AlternateContent xmlns:mc="http://schemas.openxmlformats.org/markup-compatibility/2006">
-        <mc:Choice xmlns:p14="http://schemas.microsoft.com/office/powerpoint/2010/main" Requires="p14">
-          <p:contentPart p14:bwMode="auto" r:id="rId3">
-            <p14:nvContentPartPr>
-              <p14:cNvPr id="3" name="Ink 2">
-                <a:extLst>
-                  <a:ext uri="{FF2B5EF4-FFF2-40B4-BE49-F238E27FC236}">
-                    <a16:creationId xmlns:a16="http://schemas.microsoft.com/office/drawing/2014/main" id="{98B66DD5-E991-DC44-8373-9772C6B25E15}"/>
-                  </a:ext>
-                </a:extLst>
-              </p14:cNvPr>
-              <p14:cNvContentPartPr/>
-              <p14:nvPr/>
-            </p14:nvContentPartPr>
-            <p14:xfrm>
-              <a:off x="4486378" y="5227850"/>
-              <a:ext cx="461880" cy="587880"/>
-            </p14:xfrm>
-          </p:contentPart>
-        </mc:Choice>
-        <mc:Fallback>
-          <p:pic>
-            <p:nvPicPr>
-              <p:cNvPr id="3" name="Ink 2">
-                <a:extLst>
-                  <a:ext uri="{FF2B5EF4-FFF2-40B4-BE49-F238E27FC236}">
-                    <a16:creationId xmlns:a16="http://schemas.microsoft.com/office/drawing/2014/main" id="{98B66DD5-E991-DC44-8373-9772C6B25E15}"/>
-                  </a:ext>
-                </a:extLst>
-              </p:cNvPr>
-              <p:cNvPicPr/>
-              <p:nvPr/>
-            </p:nvPicPr>
-            <p:blipFill>
-              <a:blip r:embed="rId4"/>
-              <a:stretch>
-                <a:fillRect/>
-              </a:stretch>
-            </p:blipFill>
-            <p:spPr>
-              <a:xfrm>
-                <a:off x="4477738" y="5218850"/>
-                <a:ext cx="479520" cy="605520"/>
-              </a:xfrm>
-              <a:prstGeom prst="rect">
-                <a:avLst/>
-              </a:prstGeom>
-            </p:spPr>
-          </p:pic>
-        </mc:Fallback>
-      </mc:AlternateContent>
-    </p:spTree>
-    <p:extLst>
-      <p:ext uri="{BB962C8B-B14F-4D97-AF65-F5344CB8AC3E}">
-        <p14:creationId xmlns:p14="http://schemas.microsoft.com/office/powerpoint/2010/main" val="2941669496"/>
-      </p:ext>
-    </p:extLst>
-  </p:cSld>
-  <p:clrMapOvr>
-    <a:masterClrMapping/>
-  </p:clrMapOvr>
-</p:sld>
-</file>
-
-<file path=ppt/slides/slide11.xml><?xml version="1.0" encoding="utf-8"?>
-<p:sld xmlns:a="http://schemas.openxmlformats.org/drawingml/2006/main" xmlns:r="http://schemas.openxmlformats.org/officeDocument/2006/relationships" xmlns:p="http://schemas.openxmlformats.org/presentationml/2006/main">
-  <p:cSld>
-    <p:spTree>
-      <p:nvGrpSpPr>
-        <p:cNvPr id="1" name=""/>
-        <p:cNvGrpSpPr/>
-        <p:nvPr/>
-      </p:nvGrpSpPr>
-      <p:grpSpPr>
-        <a:xfrm>
-          <a:off x="0" y="0"/>
-          <a:ext cx="0" cy="0"/>
-          <a:chOff x="0" y="0"/>
-          <a:chExt cx="0" cy="0"/>
-        </a:xfrm>
-      </p:grpSpPr>
-      <p:pic>
-        <p:nvPicPr>
           <p:cNvPr id="4" name="Content Placeholder 3"/>
           <p:cNvPicPr>
             <a:picLocks noGrp="1" noChangeAspect="1"/>
@@ -22824,8 +22640,8 @@
           </a:p>
         </p:txBody>
       </p:sp>
-      <mc:AlternateContent xmlns:mc="http://schemas.openxmlformats.org/markup-compatibility/2006">
-        <mc:Choice xmlns:p14="http://schemas.microsoft.com/office/powerpoint/2010/main" Requires="p14">
+      <mc:AlternateContent xmlns:mc="http://schemas.openxmlformats.org/markup-compatibility/2006" xmlns:p14="http://schemas.microsoft.com/office/powerpoint/2010/main">
+        <mc:Choice Requires="p14">
           <p:contentPart p14:bwMode="auto" r:id="rId3">
             <p14:nvContentPartPr>
               <p14:cNvPr id="6" name="Ink 5">
@@ -22844,7 +22660,7 @@
             </p14:xfrm>
           </p:contentPart>
         </mc:Choice>
-        <mc:Fallback>
+        <mc:Fallback xmlns="">
           <p:pic>
             <p:nvPicPr>
               <p:cNvPr id="6" name="Ink 5">
@@ -22875,8 +22691,8 @@
           </p:pic>
         </mc:Fallback>
       </mc:AlternateContent>
-      <mc:AlternateContent xmlns:mc="http://schemas.openxmlformats.org/markup-compatibility/2006">
-        <mc:Choice xmlns:p14="http://schemas.microsoft.com/office/powerpoint/2010/main" Requires="p14">
+      <mc:AlternateContent xmlns:mc="http://schemas.openxmlformats.org/markup-compatibility/2006" xmlns:p14="http://schemas.microsoft.com/office/powerpoint/2010/main">
+        <mc:Choice Requires="p14">
           <p:contentPart p14:bwMode="auto" r:id="rId5">
             <p14:nvContentPartPr>
               <p14:cNvPr id="7" name="Ink 6">
@@ -22895,7 +22711,7 @@
             </p14:xfrm>
           </p:contentPart>
         </mc:Choice>
-        <mc:Fallback>
+        <mc:Fallback xmlns="">
           <p:pic>
             <p:nvPicPr>
               <p:cNvPr id="7" name="Ink 6">
@@ -22939,7 +22755,7 @@
 </p:sld>
 </file>
 
-<file path=ppt/slides/slide12.xml><?xml version="1.0" encoding="utf-8"?>
+<file path=ppt/slides/slide11.xml><?xml version="1.0" encoding="utf-8"?>
 <p:sld xmlns:a="http://schemas.openxmlformats.org/drawingml/2006/main" xmlns:r="http://schemas.openxmlformats.org/officeDocument/2006/relationships" xmlns:p="http://schemas.openxmlformats.org/presentationml/2006/main">
   <p:cSld>
     <p:spTree>
@@ -22999,7 +22815,7 @@
 </p:sld>
 </file>
 
-<file path=ppt/slides/slide13.xml><?xml version="1.0" encoding="utf-8"?>
+<file path=ppt/slides/slide12.xml><?xml version="1.0" encoding="utf-8"?>
 <p:sld xmlns:a="http://schemas.openxmlformats.org/drawingml/2006/main" xmlns:r="http://schemas.openxmlformats.org/officeDocument/2006/relationships" xmlns:p="http://schemas.openxmlformats.org/presentationml/2006/main">
   <p:cSld>
     <p:spTree>
@@ -23046,8 +22862,8 @@
           </a:prstGeom>
         </p:spPr>
       </p:pic>
-      <mc:AlternateContent xmlns:mc="http://schemas.openxmlformats.org/markup-compatibility/2006">
-        <mc:Choice xmlns:p14="http://schemas.microsoft.com/office/powerpoint/2010/main" Requires="p14">
+      <mc:AlternateContent xmlns:mc="http://schemas.openxmlformats.org/markup-compatibility/2006" xmlns:p14="http://schemas.microsoft.com/office/powerpoint/2010/main">
+        <mc:Choice Requires="p14">
           <p:contentPart p14:bwMode="auto" r:id="rId3">
             <p14:nvContentPartPr>
               <p14:cNvPr id="5" name="Ink 4">
@@ -23066,7 +22882,7 @@
             </p14:xfrm>
           </p:contentPart>
         </mc:Choice>
-        <mc:Fallback>
+        <mc:Fallback xmlns="">
           <p:pic>
             <p:nvPicPr>
               <p:cNvPr id="5" name="Ink 4">
@@ -23097,8 +22913,8 @@
           </p:pic>
         </mc:Fallback>
       </mc:AlternateContent>
-      <mc:AlternateContent xmlns:mc="http://schemas.openxmlformats.org/markup-compatibility/2006">
-        <mc:Choice xmlns:p14="http://schemas.microsoft.com/office/powerpoint/2010/main" Requires="p14">
+      <mc:AlternateContent xmlns:mc="http://schemas.openxmlformats.org/markup-compatibility/2006" xmlns:p14="http://schemas.microsoft.com/office/powerpoint/2010/main">
+        <mc:Choice Requires="p14">
           <p:contentPart p14:bwMode="auto" r:id="rId5">
             <p14:nvContentPartPr>
               <p14:cNvPr id="6" name="Ink 5">
@@ -23117,7 +22933,7 @@
             </p14:xfrm>
           </p:contentPart>
         </mc:Choice>
-        <mc:Fallback>
+        <mc:Fallback xmlns="">
           <p:pic>
             <p:nvPicPr>
               <p:cNvPr id="6" name="Ink 5">
@@ -23161,7 +22977,7 @@
 </p:sld>
 </file>
 
-<file path=ppt/slides/slide14.xml><?xml version="1.0" encoding="utf-8"?>
+<file path=ppt/slides/slide13.xml><?xml version="1.0" encoding="utf-8"?>
 <p:sld xmlns:a="http://schemas.openxmlformats.org/drawingml/2006/main" xmlns:r="http://schemas.openxmlformats.org/officeDocument/2006/relationships" xmlns:p="http://schemas.openxmlformats.org/presentationml/2006/main">
   <p:cSld>
     <p:spTree>
@@ -23221,127 +23037,7 @@
 </p:sld>
 </file>
 
-<file path=ppt/slides/slide15.xml><?xml version="1.0" encoding="utf-8"?>
-<p:sld xmlns:a="http://schemas.openxmlformats.org/drawingml/2006/main" xmlns:r="http://schemas.openxmlformats.org/officeDocument/2006/relationships" xmlns:p="http://schemas.openxmlformats.org/presentationml/2006/main">
-  <p:cSld>
-    <p:spTree>
-      <p:nvGrpSpPr>
-        <p:cNvPr id="1" name=""/>
-        <p:cNvGrpSpPr/>
-        <p:nvPr/>
-      </p:nvGrpSpPr>
-      <p:grpSpPr>
-        <a:xfrm>
-          <a:off x="0" y="0"/>
-          <a:ext cx="0" cy="0"/>
-          <a:chOff x="0" y="0"/>
-          <a:chExt cx="0" cy="0"/>
-        </a:xfrm>
-      </p:grpSpPr>
-      <p:pic>
-        <p:nvPicPr>
-          <p:cNvPr id="2" name="Picture 1"/>
-          <p:cNvPicPr>
-            <a:picLocks noChangeAspect="1"/>
-          </p:cNvPicPr>
-          <p:nvPr/>
-        </p:nvPicPr>
-        <p:blipFill>
-          <a:blip r:embed="rId2">
-            <a:extLst>
-              <a:ext uri="{28A0092B-C50C-407E-A947-70E740481C1C}">
-                <a14:useLocalDpi xmlns:a14="http://schemas.microsoft.com/office/drawing/2010/main" val="0"/>
-              </a:ext>
-            </a:extLst>
-          </a:blip>
-          <a:stretch>
-            <a:fillRect/>
-          </a:stretch>
-        </p:blipFill>
-        <p:spPr>
-          <a:xfrm>
-            <a:off x="1218732" y="209100"/>
-            <a:ext cx="6706536" cy="6439799"/>
-          </a:xfrm>
-          <a:prstGeom prst="rect">
-            <a:avLst/>
-          </a:prstGeom>
-        </p:spPr>
-      </p:pic>
-    </p:spTree>
-    <p:extLst>
-      <p:ext uri="{BB962C8B-B14F-4D97-AF65-F5344CB8AC3E}">
-        <p14:creationId xmlns:p14="http://schemas.microsoft.com/office/powerpoint/2010/main" val="913392322"/>
-      </p:ext>
-    </p:extLst>
-  </p:cSld>
-  <p:clrMapOvr>
-    <a:masterClrMapping/>
-  </p:clrMapOvr>
-</p:sld>
-</file>
-
-<file path=ppt/slides/slide16.xml><?xml version="1.0" encoding="utf-8"?>
-<p:sld xmlns:a="http://schemas.openxmlformats.org/drawingml/2006/main" xmlns:r="http://schemas.openxmlformats.org/officeDocument/2006/relationships" xmlns:p="http://schemas.openxmlformats.org/presentationml/2006/main">
-  <p:cSld>
-    <p:spTree>
-      <p:nvGrpSpPr>
-        <p:cNvPr id="1" name=""/>
-        <p:cNvGrpSpPr/>
-        <p:nvPr/>
-      </p:nvGrpSpPr>
-      <p:grpSpPr>
-        <a:xfrm>
-          <a:off x="0" y="0"/>
-          <a:ext cx="0" cy="0"/>
-          <a:chOff x="0" y="0"/>
-          <a:chExt cx="0" cy="0"/>
-        </a:xfrm>
-      </p:grpSpPr>
-      <p:pic>
-        <p:nvPicPr>
-          <p:cNvPr id="2" name="Picture 1"/>
-          <p:cNvPicPr>
-            <a:picLocks noChangeAspect="1"/>
-          </p:cNvPicPr>
-          <p:nvPr/>
-        </p:nvPicPr>
-        <p:blipFill>
-          <a:blip r:embed="rId2">
-            <a:extLst>
-              <a:ext uri="{28A0092B-C50C-407E-A947-70E740481C1C}">
-                <a14:useLocalDpi xmlns:a14="http://schemas.microsoft.com/office/drawing/2010/main" val="0"/>
-              </a:ext>
-            </a:extLst>
-          </a:blip>
-          <a:stretch>
-            <a:fillRect/>
-          </a:stretch>
-        </p:blipFill>
-        <p:spPr>
-          <a:xfrm>
-            <a:off x="609600" y="2057400"/>
-            <a:ext cx="7659169" cy="2286000"/>
-          </a:xfrm>
-          <a:prstGeom prst="rect">
-            <a:avLst/>
-          </a:prstGeom>
-        </p:spPr>
-      </p:pic>
-    </p:spTree>
-    <p:extLst>
-      <p:ext uri="{BB962C8B-B14F-4D97-AF65-F5344CB8AC3E}">
-        <p14:creationId xmlns:p14="http://schemas.microsoft.com/office/powerpoint/2010/main" val="3590796013"/>
-      </p:ext>
-    </p:extLst>
-  </p:cSld>
-  <p:clrMapOvr>
-    <a:masterClrMapping/>
-  </p:clrMapOvr>
-</p:sld>
-</file>
-
-<file path=ppt/slides/slide17.xml><?xml version="1.0" encoding="utf-8"?>
+<file path=ppt/slides/slide14.xml><?xml version="1.0" encoding="utf-8"?>
 <p:sld xmlns:a="http://schemas.openxmlformats.org/drawingml/2006/main" xmlns:r="http://schemas.openxmlformats.org/officeDocument/2006/relationships" xmlns:p="http://schemas.openxmlformats.org/presentationml/2006/main">
   <p:cSld>
     <p:spTree>
@@ -23401,7 +23097,7 @@
 </p:sld>
 </file>
 
-<file path=ppt/slides/slide18.xml><?xml version="1.0" encoding="utf-8"?>
+<file path=ppt/slides/slide15.xml><?xml version="1.0" encoding="utf-8"?>
 <p:sld xmlns:a="http://schemas.openxmlformats.org/drawingml/2006/main" xmlns:r="http://schemas.openxmlformats.org/officeDocument/2006/relationships" xmlns:p="http://schemas.openxmlformats.org/presentationml/2006/main">
   <p:cSld>
     <p:spTree>
@@ -23487,7 +23183,7 @@
 </p:sld>
 </file>
 
-<file path=ppt/slides/slide19.xml><?xml version="1.0" encoding="utf-8"?>
+<file path=ppt/slides/slide16.xml><?xml version="1.0" encoding="utf-8"?>
 <p:sld xmlns:a="http://schemas.openxmlformats.org/drawingml/2006/main" xmlns:r="http://schemas.openxmlformats.org/officeDocument/2006/relationships" xmlns:p="http://schemas.openxmlformats.org/presentationml/2006/main">
   <p:cSld>
     <p:spTree>
@@ -23547,91 +23243,7 @@
 </p:sld>
 </file>
 
-<file path=ppt/slides/slide2.xml><?xml version="1.0" encoding="utf-8"?>
-<p:sld xmlns:a="http://schemas.openxmlformats.org/drawingml/2006/main" xmlns:r="http://schemas.openxmlformats.org/officeDocument/2006/relationships" xmlns:p="http://schemas.openxmlformats.org/presentationml/2006/main">
-  <p:cSld>
-    <p:spTree>
-      <p:nvGrpSpPr>
-        <p:cNvPr id="1" name=""/>
-        <p:cNvGrpSpPr/>
-        <p:nvPr/>
-      </p:nvGrpSpPr>
-      <p:grpSpPr>
-        <a:xfrm>
-          <a:off x="0" y="0"/>
-          <a:ext cx="0" cy="0"/>
-          <a:chOff x="0" y="0"/>
-          <a:chExt cx="0" cy="0"/>
-        </a:xfrm>
-      </p:grpSpPr>
-      <p:sp>
-        <p:nvSpPr>
-          <p:cNvPr id="2" name="Title 1"/>
-          <p:cNvSpPr>
-            <a:spLocks noGrp="1"/>
-          </p:cNvSpPr>
-          <p:nvPr>
-            <p:ph type="title"/>
-          </p:nvPr>
-        </p:nvSpPr>
-        <p:spPr>
-          <a:xfrm>
-            <a:off x="457200" y="274638"/>
-            <a:ext cx="8229600" cy="639762"/>
-          </a:xfrm>
-        </p:spPr>
-        <p:txBody>
-          <a:bodyPr>
-            <a:normAutofit/>
-          </a:bodyPr>
-          <a:lstStyle/>
-          <a:p>
-            <a:r>
-              <a:rPr lang="en-US" sz="2800" b="1" dirty="0"/>
-              <a:t>Table of Contents</a:t>
-            </a:r>
-          </a:p>
-        </p:txBody>
-      </p:sp>
-      <p:graphicFrame>
-        <p:nvGraphicFramePr>
-          <p:cNvPr id="4" name="Content Placeholder 3"/>
-          <p:cNvGraphicFramePr>
-            <a:graphicFrameLocks noGrp="1"/>
-          </p:cNvGraphicFramePr>
-          <p:nvPr>
-            <p:ph idx="1"/>
-            <p:extLst>
-              <p:ext uri="{D42A27DB-BD31-4B8C-83A1-F6EECF244321}">
-                <p14:modId xmlns:p14="http://schemas.microsoft.com/office/powerpoint/2010/main" val="167758895"/>
-              </p:ext>
-            </p:extLst>
-          </p:nvPr>
-        </p:nvGraphicFramePr>
-        <p:xfrm>
-          <a:off x="457200" y="1066800"/>
-          <a:ext cx="8229600" cy="5059363"/>
-        </p:xfrm>
-        <a:graphic>
-          <a:graphicData uri="http://schemas.openxmlformats.org/drawingml/2006/diagram">
-            <dgm:relIds xmlns:dgm="http://schemas.openxmlformats.org/drawingml/2006/diagram" xmlns:r="http://schemas.openxmlformats.org/officeDocument/2006/relationships" r:dm="rId2" r:lo="rId3" r:qs="rId4" r:cs="rId5"/>
-          </a:graphicData>
-        </a:graphic>
-      </p:graphicFrame>
-    </p:spTree>
-    <p:extLst>
-      <p:ext uri="{BB962C8B-B14F-4D97-AF65-F5344CB8AC3E}">
-        <p14:creationId xmlns:p14="http://schemas.microsoft.com/office/powerpoint/2010/main" val="695975033"/>
-      </p:ext>
-    </p:extLst>
-  </p:cSld>
-  <p:clrMapOvr>
-    <a:masterClrMapping/>
-  </p:clrMapOvr>
-</p:sld>
-</file>
-
-<file path=ppt/slides/slide20.xml><?xml version="1.0" encoding="utf-8"?>
+<file path=ppt/slides/slide17.xml><?xml version="1.0" encoding="utf-8"?>
 <p:sld xmlns:a="http://schemas.openxmlformats.org/drawingml/2006/main" xmlns:r="http://schemas.openxmlformats.org/officeDocument/2006/relationships" xmlns:p="http://schemas.openxmlformats.org/presentationml/2006/main">
   <p:cSld>
     <p:spTree>
@@ -23691,7 +23303,7 @@
 </p:sld>
 </file>
 
-<file path=ppt/slides/slide21.xml><?xml version="1.0" encoding="utf-8"?>
+<file path=ppt/slides/slide18.xml><?xml version="1.0" encoding="utf-8"?>
 <p:sld xmlns:a="http://schemas.openxmlformats.org/drawingml/2006/main" xmlns:r="http://schemas.openxmlformats.org/officeDocument/2006/relationships" xmlns:p="http://schemas.openxmlformats.org/presentationml/2006/main">
   <p:cSld>
     <p:spTree>
@@ -23751,7 +23363,7 @@
 </p:sld>
 </file>
 
-<file path=ppt/slides/slide22.xml><?xml version="1.0" encoding="utf-8"?>
+<file path=ppt/slides/slide19.xml><?xml version="1.0" encoding="utf-8"?>
 <p:sld xmlns:a="http://schemas.openxmlformats.org/drawingml/2006/main" xmlns:r="http://schemas.openxmlformats.org/officeDocument/2006/relationships" xmlns:p="http://schemas.openxmlformats.org/presentationml/2006/main">
   <p:cSld>
     <p:spTree>
@@ -23811,7 +23423,91 @@
 </p:sld>
 </file>
 
-<file path=ppt/slides/slide23.xml><?xml version="1.0" encoding="utf-8"?>
+<file path=ppt/slides/slide2.xml><?xml version="1.0" encoding="utf-8"?>
+<p:sld xmlns:a="http://schemas.openxmlformats.org/drawingml/2006/main" xmlns:r="http://schemas.openxmlformats.org/officeDocument/2006/relationships" xmlns:p="http://schemas.openxmlformats.org/presentationml/2006/main">
+  <p:cSld>
+    <p:spTree>
+      <p:nvGrpSpPr>
+        <p:cNvPr id="1" name=""/>
+        <p:cNvGrpSpPr/>
+        <p:nvPr/>
+      </p:nvGrpSpPr>
+      <p:grpSpPr>
+        <a:xfrm>
+          <a:off x="0" y="0"/>
+          <a:ext cx="0" cy="0"/>
+          <a:chOff x="0" y="0"/>
+          <a:chExt cx="0" cy="0"/>
+        </a:xfrm>
+      </p:grpSpPr>
+      <p:sp>
+        <p:nvSpPr>
+          <p:cNvPr id="2" name="Title 1"/>
+          <p:cNvSpPr>
+            <a:spLocks noGrp="1"/>
+          </p:cNvSpPr>
+          <p:nvPr>
+            <p:ph type="title"/>
+          </p:nvPr>
+        </p:nvSpPr>
+        <p:spPr>
+          <a:xfrm>
+            <a:off x="457200" y="274638"/>
+            <a:ext cx="8229600" cy="639762"/>
+          </a:xfrm>
+        </p:spPr>
+        <p:txBody>
+          <a:bodyPr>
+            <a:normAutofit/>
+          </a:bodyPr>
+          <a:lstStyle/>
+          <a:p>
+            <a:r>
+              <a:rPr lang="en-US" sz="2800" b="1" dirty="0"/>
+              <a:t>Table of Contents</a:t>
+            </a:r>
+          </a:p>
+        </p:txBody>
+      </p:sp>
+      <p:graphicFrame>
+        <p:nvGraphicFramePr>
+          <p:cNvPr id="4" name="Content Placeholder 3"/>
+          <p:cNvGraphicFramePr>
+            <a:graphicFrameLocks noGrp="1"/>
+          </p:cNvGraphicFramePr>
+          <p:nvPr>
+            <p:ph idx="1"/>
+            <p:extLst>
+              <p:ext uri="{D42A27DB-BD31-4B8C-83A1-F6EECF244321}">
+                <p14:modId xmlns:p14="http://schemas.microsoft.com/office/powerpoint/2010/main" val="167758895"/>
+              </p:ext>
+            </p:extLst>
+          </p:nvPr>
+        </p:nvGraphicFramePr>
+        <p:xfrm>
+          <a:off x="457200" y="1066800"/>
+          <a:ext cx="8229600" cy="5059363"/>
+        </p:xfrm>
+        <a:graphic>
+          <a:graphicData uri="http://schemas.openxmlformats.org/drawingml/2006/diagram">
+            <dgm:relIds xmlns:dgm="http://schemas.openxmlformats.org/drawingml/2006/diagram" xmlns:r="http://schemas.openxmlformats.org/officeDocument/2006/relationships" r:dm="rId2" r:lo="rId3" r:qs="rId4" r:cs="rId5"/>
+          </a:graphicData>
+        </a:graphic>
+      </p:graphicFrame>
+    </p:spTree>
+    <p:extLst>
+      <p:ext uri="{BB962C8B-B14F-4D97-AF65-F5344CB8AC3E}">
+        <p14:creationId xmlns:p14="http://schemas.microsoft.com/office/powerpoint/2010/main" val="695975033"/>
+      </p:ext>
+    </p:extLst>
+  </p:cSld>
+  <p:clrMapOvr>
+    <a:masterClrMapping/>
+  </p:clrMapOvr>
+</p:sld>
+</file>
+
+<file path=ppt/slides/slide20.xml><?xml version="1.0" encoding="utf-8"?>
 <p:sld xmlns:a="http://schemas.openxmlformats.org/drawingml/2006/main" xmlns:r="http://schemas.openxmlformats.org/officeDocument/2006/relationships" xmlns:p="http://schemas.openxmlformats.org/presentationml/2006/main">
   <p:cSld>
     <p:spTree>
@@ -24016,7 +23712,7 @@
 </p:sld>
 </file>
 
-<file path=ppt/slides/slide24.xml><?xml version="1.0" encoding="utf-8"?>
+<file path=ppt/slides/slide21.xml><?xml version="1.0" encoding="utf-8"?>
 <p:sld xmlns:a="http://schemas.openxmlformats.org/drawingml/2006/main" xmlns:r="http://schemas.openxmlformats.org/officeDocument/2006/relationships" xmlns:p="http://schemas.openxmlformats.org/presentationml/2006/main">
   <p:cSld>
     <p:spTree>
@@ -24255,7 +23951,7 @@
 </p:sld>
 </file>
 
-<file path=ppt/slides/slide25.xml><?xml version="1.0" encoding="utf-8"?>
+<file path=ppt/slides/slide22.xml><?xml version="1.0" encoding="utf-8"?>
 <p:sld xmlns:a="http://schemas.openxmlformats.org/drawingml/2006/main" xmlns:r="http://schemas.openxmlformats.org/officeDocument/2006/relationships" xmlns:p="http://schemas.openxmlformats.org/presentationml/2006/main">
   <p:cSld>
     <p:spTree>
@@ -24428,7 +24124,7 @@
 </p:sld>
 </file>
 
-<file path=ppt/slides/slide26.xml><?xml version="1.0" encoding="utf-8"?>
+<file path=ppt/slides/slide23.xml><?xml version="1.0" encoding="utf-8"?>
 <p:sld xmlns:a="http://schemas.openxmlformats.org/drawingml/2006/main" xmlns:r="http://schemas.openxmlformats.org/officeDocument/2006/relationships" xmlns:p="http://schemas.openxmlformats.org/presentationml/2006/main">
   <p:cSld>
     <p:spTree>
@@ -24601,7 +24297,7 @@
 </p:sld>
 </file>
 
-<file path=ppt/slides/slide27.xml><?xml version="1.0" encoding="utf-8"?>
+<file path=ppt/slides/slide24.xml><?xml version="1.0" encoding="utf-8"?>
 <p:sld xmlns:a="http://schemas.openxmlformats.org/drawingml/2006/main" xmlns:r="http://schemas.openxmlformats.org/officeDocument/2006/relationships" xmlns:p="http://schemas.openxmlformats.org/presentationml/2006/main">
   <p:cSld>
     <p:spTree>
@@ -24774,7 +24470,7 @@
 </p:sld>
 </file>
 
-<file path=ppt/slides/slide28.xml><?xml version="1.0" encoding="utf-8"?>
+<file path=ppt/slides/slide25.xml><?xml version="1.0" encoding="utf-8"?>
 <p:sld xmlns:a="http://schemas.openxmlformats.org/drawingml/2006/main" xmlns:r="http://schemas.openxmlformats.org/officeDocument/2006/relationships" xmlns:p="http://schemas.openxmlformats.org/presentationml/2006/main">
   <p:cSld>
     <p:spTree>
@@ -24947,7 +24643,7 @@
 </p:sld>
 </file>
 
-<file path=ppt/slides/slide29.xml><?xml version="1.0" encoding="utf-8"?>
+<file path=ppt/slides/slide26.xml><?xml version="1.0" encoding="utf-8"?>
 <p:sld xmlns:a="http://schemas.openxmlformats.org/drawingml/2006/main" xmlns:r="http://schemas.openxmlformats.org/officeDocument/2006/relationships" xmlns:p="http://schemas.openxmlformats.org/presentationml/2006/main">
   <p:cSld>
     <p:spTree>
@@ -25021,6 +24717,7 @@
               <a:rPr lang="en-US" b="1" dirty="0"/>
               <a:t>Questions :</a:t>
             </a:r>
+            <a:endParaRPr lang="en-US" dirty="0"/>
           </a:p>
           <a:p>
             <a:r>
@@ -25043,7 +24740,7 @@
           <a:p>
             <a:r>
               <a:rPr lang="en-US" dirty="0"/>
-              <a:t>4:How does the school require SAT score for the graduation rate?</a:t>
+              <a:t>4:Can the SAT be used as an indicator of the graduation rate?</a:t>
             </a:r>
           </a:p>
           <a:p>
@@ -25076,92 +24773,7 @@
 </p:sld>
 </file>
 
-<file path=ppt/slides/slide3.xml><?xml version="1.0" encoding="utf-8"?>
-<p:sld xmlns:a="http://schemas.openxmlformats.org/drawingml/2006/main" xmlns:r="http://schemas.openxmlformats.org/officeDocument/2006/relationships" xmlns:p="http://schemas.openxmlformats.org/presentationml/2006/main">
-  <p:cSld>
-    <p:spTree>
-      <p:nvGrpSpPr>
-        <p:cNvPr id="1" name=""/>
-        <p:cNvGrpSpPr/>
-        <p:nvPr/>
-      </p:nvGrpSpPr>
-      <p:grpSpPr>
-        <a:xfrm>
-          <a:off x="0" y="0"/>
-          <a:ext cx="0" cy="0"/>
-          <a:chOff x="0" y="0"/>
-          <a:chExt cx="0" cy="0"/>
-        </a:xfrm>
-      </p:grpSpPr>
-      <p:sp>
-        <p:nvSpPr>
-          <p:cNvPr id="2" name="Title 1"/>
-          <p:cNvSpPr>
-            <a:spLocks noGrp="1"/>
-          </p:cNvSpPr>
-          <p:nvPr>
-            <p:ph type="title"/>
-          </p:nvPr>
-        </p:nvSpPr>
-        <p:spPr>
-          <a:xfrm>
-            <a:off x="457200" y="274638"/>
-            <a:ext cx="8229600" cy="715962"/>
-          </a:xfrm>
-        </p:spPr>
-        <p:txBody>
-          <a:bodyPr>
-            <a:normAutofit fontScale="90000"/>
-          </a:bodyPr>
-          <a:lstStyle/>
-          <a:p>
-            <a:r>
-              <a:rPr lang="en-US" b="1" dirty="0"/>
-              <a:t>Data Acquisition</a:t>
-            </a:r>
-            <a:endParaRPr lang="en-US" dirty="0"/>
-          </a:p>
-        </p:txBody>
-      </p:sp>
-      <p:graphicFrame>
-        <p:nvGraphicFramePr>
-          <p:cNvPr id="4" name="Content Placeholder 3"/>
-          <p:cNvGraphicFramePr>
-            <a:graphicFrameLocks noGrp="1"/>
-          </p:cNvGraphicFramePr>
-          <p:nvPr>
-            <p:ph idx="1"/>
-            <p:extLst>
-              <p:ext uri="{D42A27DB-BD31-4B8C-83A1-F6EECF244321}">
-                <p14:modId xmlns:p14="http://schemas.microsoft.com/office/powerpoint/2010/main" val="1283090744"/>
-              </p:ext>
-            </p:extLst>
-          </p:nvPr>
-        </p:nvGraphicFramePr>
-        <p:xfrm>
-          <a:off x="457200" y="1295400"/>
-          <a:ext cx="8229600" cy="4830763"/>
-        </p:xfrm>
-        <a:graphic>
-          <a:graphicData uri="http://schemas.openxmlformats.org/drawingml/2006/diagram">
-            <dgm:relIds xmlns:dgm="http://schemas.openxmlformats.org/drawingml/2006/diagram" xmlns:r="http://schemas.openxmlformats.org/officeDocument/2006/relationships" r:dm="rId2" r:lo="rId3" r:qs="rId4" r:cs="rId5"/>
-          </a:graphicData>
-        </a:graphic>
-      </p:graphicFrame>
-    </p:spTree>
-    <p:extLst>
-      <p:ext uri="{BB962C8B-B14F-4D97-AF65-F5344CB8AC3E}">
-        <p14:creationId xmlns:p14="http://schemas.microsoft.com/office/powerpoint/2010/main" val="1011660878"/>
-      </p:ext>
-    </p:extLst>
-  </p:cSld>
-  <p:clrMapOvr>
-    <a:masterClrMapping/>
-  </p:clrMapOvr>
-</p:sld>
-</file>
-
-<file path=ppt/slides/slide30.xml><?xml version="1.0" encoding="utf-8"?>
+<file path=ppt/slides/slide27.xml><?xml version="1.0" encoding="utf-8"?>
 <p:sld xmlns:a="http://schemas.openxmlformats.org/drawingml/2006/main" xmlns:r="http://schemas.openxmlformats.org/officeDocument/2006/relationships" xmlns:p="http://schemas.openxmlformats.org/presentationml/2006/main">
   <p:cSld>
     <p:spTree>
@@ -25260,7 +24872,7 @@
 </p:sld>
 </file>
 
-<file path=ppt/slides/slide31.xml><?xml version="1.0" encoding="utf-8"?>
+<file path=ppt/slides/slide28.xml><?xml version="1.0" encoding="utf-8"?>
 <p:sld xmlns:a="http://schemas.openxmlformats.org/drawingml/2006/main" xmlns:r="http://schemas.openxmlformats.org/officeDocument/2006/relationships" xmlns:p="http://schemas.openxmlformats.org/presentationml/2006/main">
   <p:cSld>
     <p:spTree>
@@ -25359,7 +24971,7 @@
 </p:sld>
 </file>
 
-<file path=ppt/slides/slide32.xml><?xml version="1.0" encoding="utf-8"?>
+<file path=ppt/slides/slide29.xml><?xml version="1.0" encoding="utf-8"?>
 <p:sld xmlns:a="http://schemas.openxmlformats.org/drawingml/2006/main" xmlns:r="http://schemas.openxmlformats.org/officeDocument/2006/relationships" xmlns:p="http://schemas.openxmlformats.org/presentationml/2006/main">
   <p:cSld>
     <p:spTree>
@@ -25458,7 +25070,92 @@
 </p:sld>
 </file>
 
-<file path=ppt/slides/slide33.xml><?xml version="1.0" encoding="utf-8"?>
+<file path=ppt/slides/slide3.xml><?xml version="1.0" encoding="utf-8"?>
+<p:sld xmlns:a="http://schemas.openxmlformats.org/drawingml/2006/main" xmlns:r="http://schemas.openxmlformats.org/officeDocument/2006/relationships" xmlns:p="http://schemas.openxmlformats.org/presentationml/2006/main">
+  <p:cSld>
+    <p:spTree>
+      <p:nvGrpSpPr>
+        <p:cNvPr id="1" name=""/>
+        <p:cNvGrpSpPr/>
+        <p:nvPr/>
+      </p:nvGrpSpPr>
+      <p:grpSpPr>
+        <a:xfrm>
+          <a:off x="0" y="0"/>
+          <a:ext cx="0" cy="0"/>
+          <a:chOff x="0" y="0"/>
+          <a:chExt cx="0" cy="0"/>
+        </a:xfrm>
+      </p:grpSpPr>
+      <p:sp>
+        <p:nvSpPr>
+          <p:cNvPr id="2" name="Title 1"/>
+          <p:cNvSpPr>
+            <a:spLocks noGrp="1"/>
+          </p:cNvSpPr>
+          <p:nvPr>
+            <p:ph type="title"/>
+          </p:nvPr>
+        </p:nvSpPr>
+        <p:spPr>
+          <a:xfrm>
+            <a:off x="457200" y="274638"/>
+            <a:ext cx="8229600" cy="715962"/>
+          </a:xfrm>
+        </p:spPr>
+        <p:txBody>
+          <a:bodyPr>
+            <a:normAutofit fontScale="90000"/>
+          </a:bodyPr>
+          <a:lstStyle/>
+          <a:p>
+            <a:r>
+              <a:rPr lang="en-US" b="1" dirty="0"/>
+              <a:t>Data Acquisition</a:t>
+            </a:r>
+            <a:endParaRPr lang="en-US" dirty="0"/>
+          </a:p>
+        </p:txBody>
+      </p:sp>
+      <p:graphicFrame>
+        <p:nvGraphicFramePr>
+          <p:cNvPr id="4" name="Content Placeholder 3"/>
+          <p:cNvGraphicFramePr>
+            <a:graphicFrameLocks noGrp="1"/>
+          </p:cNvGraphicFramePr>
+          <p:nvPr>
+            <p:ph idx="1"/>
+            <p:extLst>
+              <p:ext uri="{D42A27DB-BD31-4B8C-83A1-F6EECF244321}">
+                <p14:modId xmlns:p14="http://schemas.microsoft.com/office/powerpoint/2010/main" val="1283090744"/>
+              </p:ext>
+            </p:extLst>
+          </p:nvPr>
+        </p:nvGraphicFramePr>
+        <p:xfrm>
+          <a:off x="457200" y="1295400"/>
+          <a:ext cx="8229600" cy="4830763"/>
+        </p:xfrm>
+        <a:graphic>
+          <a:graphicData uri="http://schemas.openxmlformats.org/drawingml/2006/diagram">
+            <dgm:relIds xmlns:dgm="http://schemas.openxmlformats.org/drawingml/2006/diagram" xmlns:r="http://schemas.openxmlformats.org/officeDocument/2006/relationships" r:dm="rId2" r:lo="rId3" r:qs="rId4" r:cs="rId5"/>
+          </a:graphicData>
+        </a:graphic>
+      </p:graphicFrame>
+    </p:spTree>
+    <p:extLst>
+      <p:ext uri="{BB962C8B-B14F-4D97-AF65-F5344CB8AC3E}">
+        <p14:creationId xmlns:p14="http://schemas.microsoft.com/office/powerpoint/2010/main" val="1011660878"/>
+      </p:ext>
+    </p:extLst>
+  </p:cSld>
+  <p:clrMapOvr>
+    <a:masterClrMapping/>
+  </p:clrMapOvr>
+</p:sld>
+</file>
+
+<file path=ppt/slides/slide30.xml><?xml version="1.0" encoding="utf-8"?>
 <p:sld xmlns:a="http://schemas.openxmlformats.org/drawingml/2006/main" xmlns:r="http://schemas.openxmlformats.org/officeDocument/2006/relationships" xmlns:p="http://schemas.openxmlformats.org/presentationml/2006/main">
   <p:cSld>
     <p:spTree>
@@ -25593,7 +25290,7 @@
 </p:sld>
 </file>
 
-<file path=ppt/slides/slide34.xml><?xml version="1.0" encoding="utf-8"?>
+<file path=ppt/slides/slide31.xml><?xml version="1.0" encoding="utf-8"?>
 <p:sld xmlns:a="http://schemas.openxmlformats.org/drawingml/2006/main" xmlns:r="http://schemas.openxmlformats.org/officeDocument/2006/relationships" xmlns:p="http://schemas.openxmlformats.org/presentationml/2006/main">
   <p:cSld>
     <p:spTree>
@@ -25692,7 +25389,7 @@
 </p:sld>
 </file>
 
-<file path=ppt/slides/slide35.xml><?xml version="1.0" encoding="utf-8"?>
+<file path=ppt/slides/slide32.xml><?xml version="1.0" encoding="utf-8"?>
 <p:sld xmlns:a="http://schemas.openxmlformats.org/drawingml/2006/main" xmlns:r="http://schemas.openxmlformats.org/officeDocument/2006/relationships" xmlns:p="http://schemas.openxmlformats.org/presentationml/2006/main">
   <p:cSld>
     <p:spTree>
@@ -25772,27 +25469,23 @@
           <a:p>
             <a:r>
               <a:rPr lang="en-US" dirty="0"/>
-              <a:t>Simple linear regression can easily be extended to include multiple features. This is called multiple linear regression: 𝑦=𝛽0+𝛽1𝑥1+...+𝛽𝑛𝑥𝑛y=</a:t>
+              <a:t>Simple linear regression can easily be extended to include multiple features. This is called multiple linear regression: 𝑦=𝛽0+𝛽1𝑥1+...+𝛽𝑛𝑥𝑛</a:t>
             </a:r>
             <a:r>
-              <a:rPr lang="el-GR" dirty="0"/>
-              <a:t>β0+β1</a:t>
+              <a:rPr lang="zh-CN" altLang="en-US" dirty="0"/>
+              <a:t> </a:t>
             </a:r>
             <a:r>
               <a:rPr lang="en-US" dirty="0"/>
-              <a:t>x1+...+</a:t>
-            </a:r>
-            <a:r>
-              <a:rPr lang="el-GR" dirty="0"/>
-              <a:t>β</a:t>
+              <a:t>Each 𝑥</a:t>
             </a:r>
             <a:r>
               <a:rPr lang="en-US" dirty="0" err="1"/>
-              <a:t>nxn</a:t>
+              <a:t>i</a:t>
             </a:r>
             <a:r>
               <a:rPr lang="en-US" dirty="0"/>
-              <a:t> Each 𝑥x represents a different feature, and each feature has its own coefficient. </a:t>
+              <a:t> represents a different feature, and each feature has its own coefficient. </a:t>
             </a:r>
           </a:p>
           <a:p>
@@ -25801,7 +25494,7 @@
           <a:p>
             <a:r>
               <a:rPr lang="en-US" dirty="0"/>
-              <a:t>In this case: 𝑦=𝛽0+𝛽1×𝑂𝑣𝑒𝑟𝑎𝑙𝑙𝑆𝑐𝑜𝑟𝑒+𝛽2×𝑙𝑜𝑔（𝐴𝑑𝑚𝑖𝑠𝑠𝑖𝑜𝑛𝑠.𝑆𝐴𝑇.𝑎𝑣𝑔）+𝛽3×𝑆𝑡𝑢𝐹𝑎𝑐𝑅𝑎𝑡𝑖𝑜+𝛽4×𝑝𝑟𝑖𝑣𝑎𝑡𝑒y=</a:t>
+              <a:t>In this case:𝑦=</a:t>
             </a:r>
             <a:r>
               <a:rPr lang="el-GR" dirty="0"/>
@@ -25872,7 +25565,7 @@
 </p:sld>
 </file>
 
-<file path=ppt/slides/slide36.xml><?xml version="1.0" encoding="utf-8"?>
+<file path=ppt/slides/slide33.xml><?xml version="1.0" encoding="utf-8"?>
 <p:sld xmlns:a="http://schemas.openxmlformats.org/drawingml/2006/main" xmlns:r="http://schemas.openxmlformats.org/officeDocument/2006/relationships" xmlns:p="http://schemas.openxmlformats.org/presentationml/2006/main">
   <p:cSld>
     <p:spTree>
@@ -26030,7 +25723,7 @@
 </p:sld>
 </file>
 
-<file path=ppt/slides/slide37.xml><?xml version="1.0" encoding="utf-8"?>
+<file path=ppt/slides/slide34.xml><?xml version="1.0" encoding="utf-8"?>
 <p:sld xmlns:a="http://schemas.openxmlformats.org/drawingml/2006/main" xmlns:r="http://schemas.openxmlformats.org/officeDocument/2006/relationships" xmlns:p="http://schemas.openxmlformats.org/presentationml/2006/main">
   <p:cSld>
     <p:spTree>
@@ -26126,7 +25819,7 @@
 </p:sld>
 </file>
 
-<file path=ppt/slides/slide38.xml><?xml version="1.0" encoding="utf-8"?>
+<file path=ppt/slides/slide35.xml><?xml version="1.0" encoding="utf-8"?>
 <p:sld xmlns:a="http://schemas.openxmlformats.org/drawingml/2006/main" xmlns:r="http://schemas.openxmlformats.org/officeDocument/2006/relationships" xmlns:p="http://schemas.openxmlformats.org/presentationml/2006/main">
   <p:cSld>
     <p:spTree>
@@ -26567,7 +26260,7 @@
             <p:ph idx="1"/>
             <p:extLst>
               <p:ext uri="{D42A27DB-BD31-4B8C-83A1-F6EECF244321}">
-                <p14:modId xmlns:p14="http://schemas.microsoft.com/office/powerpoint/2010/main" val="2353260292"/>
+                <p14:modId xmlns:p14="http://schemas.microsoft.com/office/powerpoint/2010/main" val="3632440653"/>
               </p:ext>
             </p:extLst>
           </p:nvPr>
